--- a/data_guide.pptx
+++ b/data_guide.pptx
@@ -3633,6 +3633,42 @@
           </a:p>
         </p:txBody>
       </p:sp>
+      <p:sp>
+        <p:nvSpPr>
+          <p:cNvPr id="3" name="TextBox 2"/>
+          <p:cNvSpPr txBox="1"/>
+          <p:nvPr/>
+        </p:nvSpPr>
+        <p:spPr>
+          <a:xfrm>
+            <a:off x="3380998" y="6013588"/>
+            <a:ext cx="8811002" cy="646331"/>
+          </a:xfrm>
+          <a:prstGeom prst="rect">
+            <a:avLst/>
+          </a:prstGeom>
+          <a:noFill/>
+        </p:spPr>
+        <p:txBody>
+          <a:bodyPr wrap="none" rtlCol="0">
+            <a:spAutoFit/>
+          </a:bodyPr>
+          <a:lstStyle/>
+          <a:p>
+            <a:r>
+              <a:rPr lang="en-US" i="1" dirty="0" smtClean="0"/>
+              <a:t>The ordering of users, items, knowledge components and adaptive modules never changes. </a:t>
+            </a:r>
+          </a:p>
+          <a:p>
+            <a:r>
+              <a:rPr lang="en-US" i="1" dirty="0" smtClean="0"/>
+              <a:t>Their indices serve as an internally used IDs.</a:t>
+            </a:r>
+            <a:endParaRPr lang="en-US" i="1" dirty="0"/>
+          </a:p>
+        </p:txBody>
+      </p:sp>
     </p:spTree>
     <p:extLst>
       <p:ext uri="{BB962C8B-B14F-4D97-AF65-F5344CB8AC3E}">
@@ -5479,15 +5515,7 @@
             </a:r>
             <a:r>
               <a:rPr lang="en-US" dirty="0" smtClean="0"/>
-              <a:t>: </a:t>
-            </a:r>
-            <a:r>
-              <a:rPr lang="en-US" smtClean="0"/>
-              <a:t>numeric (e.g</a:t>
-            </a:r>
-            <a:r>
-              <a:rPr lang="en-US" dirty="0" smtClean="0"/>
-              <a:t>. 1e-10), a convenience cutoff</a:t>
+              <a:t>: numeric (e.g. 1e-10), a convenience cutoff</a:t>
             </a:r>
           </a:p>
           <a:p>
